--- a/documentation/documentation.pptx
+++ b/documentation/documentation.pptx
@@ -104,6 +104,11 @@
       </a:defRPr>
     </a:lvl9pPr>
   </p:defaultTextStyle>
+  <p:extLst>
+    <p:ext uri="{EFAFB233-063F-42B5-8137-9DF3F51BA10A}">
+      <p15:sldGuideLst xmlns:p15="http://schemas.microsoft.com/office/powerpoint/2012/main"/>
+    </p:ext>
+  </p:extLst>
 </p:presentation>
 </file>
 
@@ -3335,7 +3340,7 @@
         </p:nvSpPr>
         <p:spPr>
           <a:xfrm>
-            <a:off x="478564" y="478564"/>
+            <a:off x="89681" y="316194"/>
             <a:ext cx="5118931" cy="4648913"/>
           </a:xfrm>
           <a:prstGeom prst="rect">
@@ -3641,7 +3646,7 @@
         </p:nvSpPr>
         <p:spPr>
           <a:xfrm>
-            <a:off x="478563" y="162370"/>
+            <a:off x="89680" y="0"/>
             <a:ext cx="1683523" cy="369332"/>
           </a:xfrm>
           <a:prstGeom prst="rect">
@@ -3676,7 +3681,7 @@
         </p:nvSpPr>
         <p:spPr>
           <a:xfrm>
-            <a:off x="6783936" y="2405095"/>
+            <a:off x="6395053" y="2242725"/>
             <a:ext cx="3633387" cy="732691"/>
           </a:xfrm>
           <a:prstGeom prst="rect">
@@ -3742,7 +3747,7 @@
         </p:nvSpPr>
         <p:spPr>
           <a:xfrm>
-            <a:off x="6724113" y="2088900"/>
+            <a:off x="6335230" y="1926530"/>
             <a:ext cx="2223332" cy="369332"/>
           </a:xfrm>
           <a:prstGeom prst="rect">
@@ -3782,7 +3787,7 @@
         </p:nvSpPr>
         <p:spPr>
           <a:xfrm>
-            <a:off x="6783937" y="3514185"/>
+            <a:off x="6395054" y="3351815"/>
             <a:ext cx="3633387" cy="963811"/>
           </a:xfrm>
           <a:prstGeom prst="rect">
@@ -3842,7 +3847,7 @@
         </p:nvSpPr>
         <p:spPr>
           <a:xfrm>
-            <a:off x="6724113" y="3197990"/>
+            <a:off x="6335230" y="3035620"/>
             <a:ext cx="4111955" cy="369332"/>
           </a:xfrm>
           <a:prstGeom prst="rect">
@@ -3890,7 +3895,7 @@
         </p:nvSpPr>
         <p:spPr>
           <a:xfrm>
-            <a:off x="6783936" y="531704"/>
+            <a:off x="6395053" y="369334"/>
             <a:ext cx="3633387" cy="1510742"/>
           </a:xfrm>
           <a:prstGeom prst="rect">
@@ -4014,7 +4019,7 @@
         </p:nvSpPr>
         <p:spPr>
           <a:xfrm>
-            <a:off x="6724113" y="215508"/>
+            <a:off x="6335230" y="53138"/>
             <a:ext cx="2223332" cy="369332"/>
           </a:xfrm>
           <a:prstGeom prst="rect">
@@ -4054,7 +4059,7 @@
         </p:nvSpPr>
         <p:spPr>
           <a:xfrm>
-            <a:off x="6783937" y="4854395"/>
+            <a:off x="6395054" y="4692025"/>
             <a:ext cx="3633387" cy="963811"/>
           </a:xfrm>
           <a:prstGeom prst="rect">
@@ -4172,7 +4177,7 @@
         </p:nvSpPr>
         <p:spPr>
           <a:xfrm>
-            <a:off x="6724113" y="4538200"/>
+            <a:off x="6335230" y="4375830"/>
             <a:ext cx="4111955" cy="369332"/>
           </a:xfrm>
           <a:prstGeom prst="rect">
@@ -4215,7 +4220,7 @@
         </p:blipFill>
         <p:spPr>
           <a:xfrm>
-            <a:off x="3240580" y="5254732"/>
+            <a:off x="2851697" y="5092362"/>
             <a:ext cx="3205801" cy="1622280"/>
           </a:xfrm>
           <a:prstGeom prst="rect">
@@ -4239,7 +4244,7 @@
         </p:nvCxnSpPr>
         <p:spPr>
           <a:xfrm flipV="1">
-            <a:off x="5979687" y="4967737"/>
+            <a:off x="5590804" y="4805367"/>
             <a:ext cx="887576" cy="286995"/>
           </a:xfrm>
           <a:prstGeom prst="line">
@@ -4283,7 +4288,7 @@
         </p:blipFill>
         <p:spPr>
           <a:xfrm>
-            <a:off x="10799517" y="4826612"/>
+            <a:off x="10410634" y="4664242"/>
             <a:ext cx="2783308" cy="2031388"/>
           </a:xfrm>
           <a:prstGeom prst="rect">
@@ -4305,7 +4310,7 @@
         </p:nvSpPr>
         <p:spPr>
           <a:xfrm>
-            <a:off x="10032763" y="5127477"/>
+            <a:off x="9643880" y="4965107"/>
             <a:ext cx="717846" cy="598205"/>
           </a:xfrm>
           <a:prstGeom prst="rightBrace">
